--- a/student_project_folders/oper655_fa2019_williams/IPR.pptx
+++ b/student_project_folders/oper655_fa2019_williams/IPR.pptx
@@ -5,16 +5,14 @@
     <p:sldMasterId id="2147483663" r:id="rId1"/>
   </p:sldMasterIdLst>
   <p:notesMasterIdLst>
-    <p:notesMasterId r:id="rId9"/>
+    <p:notesMasterId r:id="rId7"/>
   </p:notesMasterIdLst>
   <p:sldIdLst>
     <p:sldId id="256" r:id="rId2"/>
     <p:sldId id="258" r:id="rId3"/>
-    <p:sldId id="262" r:id="rId4"/>
+    <p:sldId id="259" r:id="rId4"/>
     <p:sldId id="263" r:id="rId5"/>
-    <p:sldId id="259" r:id="rId6"/>
-    <p:sldId id="260" r:id="rId7"/>
-    <p:sldId id="261" r:id="rId8"/>
+    <p:sldId id="261" r:id="rId6"/>
   </p:sldIdLst>
   <p:sldSz cx="9144000" cy="5143500" type="screen16x9"/>
   <p:notesSz cx="6858000" cy="9144000"/>
@@ -1018,110 +1016,6 @@
 </file>
 
 <file path=ppt/notesSlides/notesSlide4.xml><?xml version="1.0" encoding="utf-8"?>
-<p:notes xmlns:a="http://schemas.openxmlformats.org/drawingml/2006/main" xmlns:r="http://schemas.openxmlformats.org/officeDocument/2006/relationships" xmlns:p="http://schemas.openxmlformats.org/presentationml/2006/main" showMasterSp="0" showMasterPhAnim="0">
-  <p:cSld>
-    <p:spTree>
-      <p:nvGrpSpPr>
-        <p:cNvPr id="1" name="Shape 85"/>
-        <p:cNvGrpSpPr/>
-        <p:nvPr/>
-      </p:nvGrpSpPr>
-      <p:grpSpPr>
-        <a:xfrm>
-          <a:off x="0" y="0"/>
-          <a:ext cx="0" cy="0"/>
-          <a:chOff x="0" y="0"/>
-          <a:chExt cx="0" cy="0"/>
-        </a:xfrm>
-      </p:grpSpPr>
-      <p:sp>
-        <p:nvSpPr>
-          <p:cNvPr id="86" name="Google Shape;86;g50549c96d7_0_174:notes"/>
-          <p:cNvSpPr>
-            <a:spLocks noGrp="1" noRot="1" noChangeAspect="1"/>
-          </p:cNvSpPr>
-          <p:nvPr>
-            <p:ph type="sldImg" idx="2"/>
-          </p:nvPr>
-        </p:nvSpPr>
-        <p:spPr>
-          <a:xfrm>
-            <a:off x="381000" y="685800"/>
-            <a:ext cx="6096000" cy="3429000"/>
-          </a:xfrm>
-          <a:custGeom>
-            <a:avLst/>
-            <a:gdLst/>
-            <a:ahLst/>
-            <a:cxnLst/>
-            <a:rect l="l" t="t" r="r" b="b"/>
-            <a:pathLst>
-              <a:path w="120000" h="120000" extrusionOk="0">
-                <a:moveTo>
-                  <a:pt x="0" y="0"/>
-                </a:moveTo>
-                <a:lnTo>
-                  <a:pt x="120000" y="0"/>
-                </a:lnTo>
-                <a:lnTo>
-                  <a:pt x="120000" y="120000"/>
-                </a:lnTo>
-                <a:lnTo>
-                  <a:pt x="0" y="120000"/>
-                </a:lnTo>
-                <a:close/>
-              </a:path>
-            </a:pathLst>
-          </a:custGeom>
-        </p:spPr>
-      </p:sp>
-      <p:sp>
-        <p:nvSpPr>
-          <p:cNvPr id="87" name="Google Shape;87;g50549c96d7_0_174:notes"/>
-          <p:cNvSpPr txBox="1">
-            <a:spLocks noGrp="1"/>
-          </p:cNvSpPr>
-          <p:nvPr>
-            <p:ph type="body" idx="1"/>
-          </p:nvPr>
-        </p:nvSpPr>
-        <p:spPr>
-          <a:xfrm>
-            <a:off x="685800" y="4343400"/>
-            <a:ext cx="5486400" cy="4114800"/>
-          </a:xfrm>
-          <a:prstGeom prst="rect">
-            <a:avLst/>
-          </a:prstGeom>
-        </p:spPr>
-        <p:txBody>
-          <a:bodyPr spcFirstLastPara="1" wrap="square" lIns="91425" tIns="91425" rIns="91425" bIns="91425" anchor="t" anchorCtr="0">
-            <a:noAutofit/>
-          </a:bodyPr>
-          <a:lstStyle/>
-          <a:p>
-            <a:pPr marL="0" lvl="0" indent="0" algn="l" rtl="0">
-              <a:spcBef>
-                <a:spcPts val="0"/>
-              </a:spcBef>
-              <a:spcAft>
-                <a:spcPts val="0"/>
-              </a:spcAft>
-              <a:buNone/>
-            </a:pPr>
-            <a:endParaRPr/>
-          </a:p>
-        </p:txBody>
-      </p:sp>
-    </p:spTree>
-  </p:cSld>
-  <p:clrMapOvr>
-    <a:masterClrMapping/>
-  </p:clrMapOvr>
-</p:notes>
-</file>
-
-<file path=ppt/notesSlides/notesSlide5.xml><?xml version="1.0" encoding="utf-8"?>
 <p:notes xmlns:a="http://schemas.openxmlformats.org/drawingml/2006/main" xmlns:r="http://schemas.openxmlformats.org/officeDocument/2006/relationships" xmlns:p="http://schemas.openxmlformats.org/presentationml/2006/main" showMasterSp="0" showMasterPhAnim="0">
   <p:cSld>
     <p:spTree>
@@ -8278,7 +8172,7 @@
         </p:nvSpPr>
         <p:spPr>
           <a:xfrm>
-            <a:off x="388891" y="1162963"/>
+            <a:off x="459600" y="920508"/>
             <a:ext cx="8224800" cy="3086400"/>
           </a:xfrm>
           <a:prstGeom prst="rect">
@@ -8304,11 +8198,48 @@
             </a:pPr>
             <a:r>
               <a:rPr lang="en-US" sz="2000" dirty="0"/>
-              <a:t>For this project the script of Star Wars Episode VII : The Force Awakens will be analyzed</a:t>
+              <a:t>For the current iteration of this project, the scripts of Star Wars Episodes IV(A New Hope) and VII(The Force Awakens) were made into a corpus.</a:t>
+            </a:r>
+          </a:p>
+          <a:p>
+            <a:pPr marL="342900">
+              <a:lnSpc>
+                <a:spcPct val="115000"/>
+              </a:lnSpc>
+              <a:spcBef>
+                <a:spcPts val="0"/>
+              </a:spcBef>
+              <a:buSzPts val="1100"/>
+              <a:buFont typeface="Wingdings" panose="05000000000000000000" pitchFamily="2" charset="2"/>
+              <a:buChar char="v"/>
+            </a:pPr>
+            <a:r>
+              <a:rPr lang="en-US" sz="2000" dirty="0">
+                <a:solidFill>
+                  <a:schemeClr val="tx1"/>
+                </a:solidFill>
+              </a:rPr>
+              <a:t>The initial analysis includes word frequency of each script and the </a:t>
+            </a:r>
+            <a:r>
+              <a:rPr lang="en-US" sz="2000" dirty="0" err="1">
+                <a:solidFill>
+                  <a:schemeClr val="tx1"/>
+                </a:solidFill>
+              </a:rPr>
+              <a:t>tf-idf</a:t>
+            </a:r>
+            <a:r>
+              <a:rPr lang="en-US" sz="2000" dirty="0">
+                <a:solidFill>
+                  <a:schemeClr val="tx1"/>
+                </a:solidFill>
+              </a:rPr>
+              <a:t> for the words in the corpus.</a:t>
             </a:r>
             <a:endParaRPr lang="en" sz="2000" dirty="0">
               <a:solidFill>
-                <a:srgbClr val="2D2DB9"/>
+                <a:schemeClr val="tx1"/>
               </a:solidFill>
             </a:endParaRPr>
           </a:p>
@@ -8326,27 +8257,9 @@
             </a:pPr>
             <a:r>
               <a:rPr lang="en-US" sz="2000" dirty="0"/>
-              <a:t>Comparison to other first movie in series</a:t>
+              <a:t>The end goal is to use document summarization to give a summary of each script and use topic modeling to identify topics within each script.</a:t>
             </a:r>
             <a:endParaRPr sz="2000" dirty="0"/>
-          </a:p>
-          <a:p>
-            <a:pPr marL="800100" lvl="1">
-              <a:lnSpc>
-                <a:spcPct val="115000"/>
-              </a:lnSpc>
-              <a:spcBef>
-                <a:spcPts val="0"/>
-              </a:spcBef>
-              <a:buSzPts val="1100"/>
-              <a:buFont typeface="Wingdings" panose="05000000000000000000" pitchFamily="2" charset="2"/>
-              <a:buChar char="v"/>
-            </a:pPr>
-            <a:r>
-              <a:rPr lang="en-US" sz="1600" dirty="0"/>
-              <a:t>What do want to get from this analysis</a:t>
-            </a:r>
-            <a:endParaRPr sz="1600" dirty="0"/>
           </a:p>
           <a:p>
             <a:pPr marL="0" lvl="0" indent="0" algn="l" rtl="0">
@@ -8375,7 +8288,7 @@
   <p:cSld>
     <p:spTree>
       <p:nvGrpSpPr>
-        <p:cNvPr id="1" name=""/>
+        <p:cNvPr id="1" name="Shape 82"/>
         <p:cNvGrpSpPr/>
         <p:nvPr/>
       </p:nvGrpSpPr>
@@ -8389,65 +8302,166 @@
       </p:grpSpPr>
       <p:sp>
         <p:nvSpPr>
-          <p:cNvPr id="2" name="Title 1">
-            <a:extLst>
-              <a:ext uri="{FF2B5EF4-FFF2-40B4-BE49-F238E27FC236}">
-                <a16:creationId xmlns:a16="http://schemas.microsoft.com/office/drawing/2014/main" id="{67765712-8E46-4DD4-BB4B-037771077EBA}"/>
-              </a:ext>
-            </a:extLst>
-          </p:cNvPr>
-          <p:cNvSpPr>
+          <p:cNvPr id="83" name="Google Shape;83;p20"/>
+          <p:cNvSpPr txBox="1">
             <a:spLocks noGrp="1"/>
           </p:cNvSpPr>
           <p:nvPr>
             <p:ph type="title"/>
           </p:nvPr>
         </p:nvSpPr>
-        <p:spPr/>
-        <p:txBody>
-          <a:bodyPr/>
-          <a:lstStyle/>
-          <a:p>
-            <a:endParaRPr lang="en-US"/>
-          </a:p>
-        </p:txBody>
-      </p:sp>
-      <p:pic>
-        <p:nvPicPr>
-          <p:cNvPr id="4" name="Picture 3">
-            <a:extLst>
-              <a:ext uri="{FF2B5EF4-FFF2-40B4-BE49-F238E27FC236}">
-                <a16:creationId xmlns:a16="http://schemas.microsoft.com/office/drawing/2014/main" id="{9B661C1B-CEE4-4F3B-9828-5388B4E7BFA8}"/>
-              </a:ext>
-            </a:extLst>
-          </p:cNvPr>
-          <p:cNvPicPr>
-            <a:picLocks noChangeAspect="1"/>
-          </p:cNvPicPr>
-          <p:nvPr/>
-        </p:nvPicPr>
-        <p:blipFill>
-          <a:blip r:embed="rId2"/>
-          <a:stretch>
-            <a:fillRect/>
-          </a:stretch>
-        </p:blipFill>
         <p:spPr>
           <a:xfrm>
-            <a:off x="0" y="968636"/>
-            <a:ext cx="5556365" cy="4174864"/>
+            <a:off x="782150" y="-86065"/>
+            <a:ext cx="6727500" cy="857400"/>
           </a:xfrm>
           <a:prstGeom prst="rect">
             <a:avLst/>
           </a:prstGeom>
         </p:spPr>
-      </p:pic>
+        <p:txBody>
+          <a:bodyPr spcFirstLastPara="1" wrap="square" lIns="91400" tIns="45700" rIns="91400" bIns="45700" anchor="ctr" anchorCtr="0">
+            <a:noAutofit/>
+          </a:bodyPr>
+          <a:lstStyle/>
+          <a:p>
+            <a:pPr marL="0" lvl="0" indent="0" algn="ctr" rtl="0">
+              <a:spcBef>
+                <a:spcPts val="0"/>
+              </a:spcBef>
+              <a:spcAft>
+                <a:spcPts val="0"/>
+              </a:spcAft>
+              <a:buNone/>
+            </a:pPr>
+            <a:r>
+              <a:rPr lang="en-US" dirty="0"/>
+              <a:t>Background</a:t>
+            </a:r>
+            <a:endParaRPr dirty="0"/>
+          </a:p>
+        </p:txBody>
+      </p:sp>
+      <p:sp>
+        <p:nvSpPr>
+          <p:cNvPr id="84" name="Google Shape;84;p20"/>
+          <p:cNvSpPr txBox="1">
+            <a:spLocks noGrp="1"/>
+          </p:cNvSpPr>
+          <p:nvPr>
+            <p:ph type="body" idx="1"/>
+          </p:nvPr>
+        </p:nvSpPr>
+        <p:spPr>
+          <a:xfrm>
+            <a:off x="459600" y="948217"/>
+            <a:ext cx="8224800" cy="3086400"/>
+          </a:xfrm>
+          <a:prstGeom prst="rect">
+            <a:avLst/>
+          </a:prstGeom>
+        </p:spPr>
+        <p:txBody>
+          <a:bodyPr spcFirstLastPara="1" wrap="square" lIns="91400" tIns="45700" rIns="91400" bIns="45700" anchor="t" anchorCtr="0">
+            <a:noAutofit/>
+          </a:bodyPr>
+          <a:lstStyle/>
+          <a:p>
+            <a:pPr marL="342900" lvl="0">
+              <a:lnSpc>
+                <a:spcPct val="115000"/>
+              </a:lnSpc>
+              <a:spcBef>
+                <a:spcPts val="0"/>
+              </a:spcBef>
+              <a:buSzPts val="1100"/>
+              <a:buFont typeface="Wingdings" panose="05000000000000000000" pitchFamily="2" charset="2"/>
+              <a:buChar char="v"/>
+            </a:pPr>
+            <a:r>
+              <a:rPr lang="en-US" sz="2000" dirty="0"/>
+              <a:t>The scripts are searchable pdfs and were downloaded locally</a:t>
+            </a:r>
+            <a:r>
+              <a:rPr lang="en-US" sz="2000" i="1" dirty="0"/>
+              <a:t>.</a:t>
+            </a:r>
+          </a:p>
+          <a:p>
+            <a:pPr marL="342900" lvl="0">
+              <a:lnSpc>
+                <a:spcPct val="115000"/>
+              </a:lnSpc>
+              <a:spcBef>
+                <a:spcPts val="0"/>
+              </a:spcBef>
+              <a:buSzPts val="1100"/>
+              <a:buFont typeface="Wingdings" panose="05000000000000000000" pitchFamily="2" charset="2"/>
+              <a:buChar char="v"/>
+            </a:pPr>
+            <a:r>
+              <a:rPr lang="en-US" sz="2000" dirty="0"/>
+              <a:t>Each script was read using </a:t>
+            </a:r>
+            <a:r>
+              <a:rPr lang="en-US" sz="2000" dirty="0" err="1"/>
+              <a:t>pdftools</a:t>
+            </a:r>
+            <a:r>
+              <a:rPr lang="en-US" sz="2000" dirty="0"/>
+              <a:t> and the corpus was created using </a:t>
+            </a:r>
+            <a:r>
+              <a:rPr lang="en-US" sz="2000" dirty="0" err="1"/>
+              <a:t>quanteda</a:t>
+            </a:r>
+            <a:r>
+              <a:rPr lang="en-US" sz="2000" dirty="0"/>
+              <a:t>.</a:t>
+            </a:r>
+          </a:p>
+          <a:p>
+            <a:pPr marL="342900" lvl="0">
+              <a:lnSpc>
+                <a:spcPct val="115000"/>
+              </a:lnSpc>
+              <a:spcBef>
+                <a:spcPts val="0"/>
+              </a:spcBef>
+              <a:buSzPts val="1100"/>
+              <a:buFont typeface="Wingdings" panose="05000000000000000000" pitchFamily="2" charset="2"/>
+              <a:buChar char="v"/>
+            </a:pPr>
+            <a:r>
+              <a:rPr lang="en-US" sz="2000" dirty="0">
+                <a:solidFill>
+                  <a:schemeClr val="tx1"/>
+                </a:solidFill>
+              </a:rPr>
+              <a:t>The tidy text format was used to create the word frequency of each script</a:t>
+            </a:r>
+          </a:p>
+          <a:p>
+            <a:pPr marL="342900" lvl="0">
+              <a:lnSpc>
+                <a:spcPct val="115000"/>
+              </a:lnSpc>
+              <a:spcBef>
+                <a:spcPts val="0"/>
+              </a:spcBef>
+              <a:buSzPts val="1100"/>
+              <a:buFont typeface="Wingdings" panose="05000000000000000000" pitchFamily="2" charset="2"/>
+              <a:buChar char="v"/>
+            </a:pPr>
+            <a:endParaRPr lang="en-US" sz="1600" dirty="0">
+              <a:solidFill>
+                <a:schemeClr val="accent6"/>
+              </a:solidFill>
+            </a:endParaRPr>
+          </a:p>
+        </p:txBody>
+      </p:sp>
     </p:spTree>
-    <p:extLst>
-      <p:ext uri="{BB962C8B-B14F-4D97-AF65-F5344CB8AC3E}">
-        <p14:creationId xmlns:p14="http://schemas.microsoft.com/office/powerpoint/2010/main" val="920803944"/>
-      </p:ext>
-    </p:extLst>
   </p:cSld>
   <p:clrMapOvr>
     <a:masterClrMapping/>
@@ -8493,7 +8507,10 @@
           <a:bodyPr/>
           <a:lstStyle/>
           <a:p>
-            <a:endParaRPr lang="en-US"/>
+            <a:r>
+              <a:rPr lang="en-US" dirty="0"/>
+              <a:t>Interim Analysis</a:t>
+            </a:r>
           </a:p>
         </p:txBody>
       </p:sp>
@@ -8519,8 +8536,182 @@
         </p:blipFill>
         <p:spPr>
           <a:xfrm>
-            <a:off x="0" y="968636"/>
-            <a:ext cx="5556365" cy="4174864"/>
+            <a:off x="206813" y="1977973"/>
+            <a:ext cx="4137747" cy="3108960"/>
+          </a:xfrm>
+          <a:prstGeom prst="rect">
+            <a:avLst/>
+          </a:prstGeom>
+        </p:spPr>
+      </p:pic>
+      <p:sp>
+        <p:nvSpPr>
+          <p:cNvPr id="5" name="Google Shape;84;p20">
+            <a:extLst>
+              <a:ext uri="{FF2B5EF4-FFF2-40B4-BE49-F238E27FC236}">
+                <a16:creationId xmlns:a16="http://schemas.microsoft.com/office/drawing/2014/main" id="{5DDDEC8A-E136-4B5A-9569-F9188D5BA74F}"/>
+              </a:ext>
+            </a:extLst>
+          </p:cNvPr>
+          <p:cNvSpPr txBox="1">
+            <a:spLocks noGrp="1"/>
+          </p:cNvSpPr>
+          <p:nvPr>
+            <p:ph type="body" idx="1"/>
+          </p:nvPr>
+        </p:nvSpPr>
+        <p:spPr>
+          <a:xfrm>
+            <a:off x="459599" y="844308"/>
+            <a:ext cx="8224800" cy="1060692"/>
+          </a:xfrm>
+          <a:prstGeom prst="rect">
+            <a:avLst/>
+          </a:prstGeom>
+        </p:spPr>
+        <p:txBody>
+          <a:bodyPr spcFirstLastPara="1" wrap="square" lIns="91400" tIns="45700" rIns="91400" bIns="45700" anchor="t" anchorCtr="0">
+            <a:noAutofit/>
+          </a:bodyPr>
+          <a:lstStyle/>
+          <a:p>
+            <a:pPr marL="342900" lvl="0" algn="l" rtl="0">
+              <a:lnSpc>
+                <a:spcPct val="115000"/>
+              </a:lnSpc>
+              <a:spcBef>
+                <a:spcPts val="0"/>
+              </a:spcBef>
+              <a:spcAft>
+                <a:spcPts val="0"/>
+              </a:spcAft>
+              <a:buClr>
+                <a:schemeClr val="dk1"/>
+              </a:buClr>
+              <a:buSzPts val="1100"/>
+              <a:buFont typeface="Wingdings" panose="05000000000000000000" pitchFamily="2" charset="2"/>
+              <a:buChar char="v"/>
+            </a:pPr>
+            <a:r>
+              <a:rPr lang="en-US" sz="1200" dirty="0"/>
+              <a:t>Rey and Luke which are the main characters appear the most in the respective script.</a:t>
+            </a:r>
+          </a:p>
+          <a:p>
+            <a:pPr marL="342900" lvl="0" algn="l" rtl="0">
+              <a:lnSpc>
+                <a:spcPct val="115000"/>
+              </a:lnSpc>
+              <a:spcBef>
+                <a:spcPts val="0"/>
+              </a:spcBef>
+              <a:spcAft>
+                <a:spcPts val="0"/>
+              </a:spcAft>
+              <a:buClr>
+                <a:schemeClr val="dk1"/>
+              </a:buClr>
+              <a:buSzPts val="1100"/>
+              <a:buFont typeface="Wingdings" panose="05000000000000000000" pitchFamily="2" charset="2"/>
+              <a:buChar char="v"/>
+            </a:pPr>
+            <a:r>
+              <a:rPr lang="en-US" sz="1200" dirty="0"/>
+              <a:t>Han Solo has the third and second most appearance in The Force Awakens and A New Hope respectively. Therefore, the </a:t>
+            </a:r>
+            <a:r>
+              <a:rPr lang="en-US" sz="1200" dirty="0" err="1"/>
+              <a:t>tf</a:t>
+            </a:r>
+            <a:r>
+              <a:rPr lang="en-US" sz="1200" dirty="0"/>
+              <a:t>-id for Han Solo will be low since the character appears in frequently in both texts.</a:t>
+            </a:r>
+          </a:p>
+          <a:p>
+            <a:pPr marL="342900">
+              <a:lnSpc>
+                <a:spcPct val="115000"/>
+              </a:lnSpc>
+              <a:spcBef>
+                <a:spcPts val="0"/>
+              </a:spcBef>
+              <a:buSzPts val="1100"/>
+              <a:buFont typeface="Wingdings" panose="05000000000000000000" pitchFamily="2" charset="2"/>
+              <a:buChar char="v"/>
+            </a:pPr>
+            <a:r>
+              <a:rPr lang="en-US" sz="1200" dirty="0"/>
+              <a:t>The unique characters to the films have the highest </a:t>
+            </a:r>
+            <a:r>
+              <a:rPr lang="en-US" sz="1200" dirty="0" err="1"/>
+              <a:t>tf-idf</a:t>
+            </a:r>
+            <a:r>
+              <a:rPr lang="en-US" sz="1200" dirty="0"/>
+              <a:t>. While the word Luke appears the most in A New Hope, it appears in both scripts which causes the low </a:t>
+            </a:r>
+            <a:r>
+              <a:rPr lang="en-US" sz="1200" dirty="0" err="1"/>
+              <a:t>tf-idf</a:t>
+            </a:r>
+            <a:r>
+              <a:rPr lang="en-US" sz="1200" dirty="0"/>
+              <a:t>.</a:t>
+            </a:r>
+            <a:endParaRPr lang="en-US" sz="1050" dirty="0">
+              <a:solidFill>
+                <a:schemeClr val="accent6"/>
+              </a:solidFill>
+            </a:endParaRPr>
+          </a:p>
+          <a:p>
+            <a:pPr marL="342900" lvl="0" algn="l" rtl="0">
+              <a:lnSpc>
+                <a:spcPct val="115000"/>
+              </a:lnSpc>
+              <a:spcBef>
+                <a:spcPts val="0"/>
+              </a:spcBef>
+              <a:spcAft>
+                <a:spcPts val="0"/>
+              </a:spcAft>
+              <a:buClr>
+                <a:schemeClr val="dk1"/>
+              </a:buClr>
+              <a:buSzPts val="1100"/>
+              <a:buFont typeface="Wingdings" panose="05000000000000000000" pitchFamily="2" charset="2"/>
+              <a:buChar char="v"/>
+            </a:pPr>
+            <a:endParaRPr sz="1200" dirty="0"/>
+          </a:p>
+        </p:txBody>
+      </p:sp>
+      <p:pic>
+        <p:nvPicPr>
+          <p:cNvPr id="6" name="Picture 5">
+            <a:extLst>
+              <a:ext uri="{FF2B5EF4-FFF2-40B4-BE49-F238E27FC236}">
+                <a16:creationId xmlns:a16="http://schemas.microsoft.com/office/drawing/2014/main" id="{D5FE5DBD-CDE3-4126-88F0-59777E04C184}"/>
+              </a:ext>
+            </a:extLst>
+          </p:cNvPr>
+          <p:cNvPicPr>
+            <a:picLocks noChangeAspect="1"/>
+          </p:cNvPicPr>
+          <p:nvPr/>
+        </p:nvPicPr>
+        <p:blipFill>
+          <a:blip r:embed="rId3"/>
+          <a:stretch>
+            <a:fillRect/>
+          </a:stretch>
+        </p:blipFill>
+        <p:spPr>
+          <a:xfrm>
+            <a:off x="4571999" y="1919323"/>
+            <a:ext cx="4137743" cy="3108960"/>
           </a:xfrm>
           <a:prstGeom prst="rect">
             <a:avLst/>
@@ -8541,155 +8732,6 @@
 </file>
 
 <file path=ppt/slides/slide5.xml><?xml version="1.0" encoding="utf-8"?>
-<p:sld xmlns:a="http://schemas.openxmlformats.org/drawingml/2006/main" xmlns:r="http://schemas.openxmlformats.org/officeDocument/2006/relationships" xmlns:p="http://schemas.openxmlformats.org/presentationml/2006/main">
-  <p:cSld>
-    <p:spTree>
-      <p:nvGrpSpPr>
-        <p:cNvPr id="1" name="Shape 82"/>
-        <p:cNvGrpSpPr/>
-        <p:nvPr/>
-      </p:nvGrpSpPr>
-      <p:grpSpPr>
-        <a:xfrm>
-          <a:off x="0" y="0"/>
-          <a:ext cx="0" cy="0"/>
-          <a:chOff x="0" y="0"/>
-          <a:chExt cx="0" cy="0"/>
-        </a:xfrm>
-      </p:grpSpPr>
-      <p:sp>
-        <p:nvSpPr>
-          <p:cNvPr id="83" name="Google Shape;83;p20"/>
-          <p:cNvSpPr txBox="1">
-            <a:spLocks noGrp="1"/>
-          </p:cNvSpPr>
-          <p:nvPr>
-            <p:ph type="title"/>
-          </p:nvPr>
-        </p:nvSpPr>
-        <p:spPr>
-          <a:xfrm>
-            <a:off x="782150" y="-86065"/>
-            <a:ext cx="6727500" cy="857400"/>
-          </a:xfrm>
-          <a:prstGeom prst="rect">
-            <a:avLst/>
-          </a:prstGeom>
-        </p:spPr>
-        <p:txBody>
-          <a:bodyPr spcFirstLastPara="1" wrap="square" lIns="91400" tIns="45700" rIns="91400" bIns="45700" anchor="ctr" anchorCtr="0">
-            <a:noAutofit/>
-          </a:bodyPr>
-          <a:lstStyle/>
-          <a:p>
-            <a:pPr marL="0" lvl="0" indent="0" algn="ctr" rtl="0">
-              <a:spcBef>
-                <a:spcPts val="0"/>
-              </a:spcBef>
-              <a:spcAft>
-                <a:spcPts val="0"/>
-              </a:spcAft>
-              <a:buNone/>
-            </a:pPr>
-            <a:r>
-              <a:rPr lang="en-US" dirty="0"/>
-              <a:t>Background</a:t>
-            </a:r>
-            <a:endParaRPr dirty="0"/>
-          </a:p>
-        </p:txBody>
-      </p:sp>
-      <p:sp>
-        <p:nvSpPr>
-          <p:cNvPr id="84" name="Google Shape;84;p20"/>
-          <p:cNvSpPr txBox="1">
-            <a:spLocks noGrp="1"/>
-          </p:cNvSpPr>
-          <p:nvPr>
-            <p:ph type="body" idx="1"/>
-          </p:nvPr>
-        </p:nvSpPr>
-        <p:spPr>
-          <a:xfrm>
-            <a:off x="388891" y="1162963"/>
-            <a:ext cx="8224800" cy="3086400"/>
-          </a:xfrm>
-          <a:prstGeom prst="rect">
-            <a:avLst/>
-          </a:prstGeom>
-        </p:spPr>
-        <p:txBody>
-          <a:bodyPr spcFirstLastPara="1" wrap="square" lIns="91400" tIns="45700" rIns="91400" bIns="45700" anchor="t" anchorCtr="0">
-            <a:noAutofit/>
-          </a:bodyPr>
-          <a:lstStyle/>
-          <a:p>
-            <a:pPr marL="342900" lvl="0" algn="l" rtl="0">
-              <a:lnSpc>
-                <a:spcPct val="115000"/>
-              </a:lnSpc>
-              <a:spcBef>
-                <a:spcPts val="0"/>
-              </a:spcBef>
-              <a:spcAft>
-                <a:spcPts val="0"/>
-              </a:spcAft>
-              <a:buClr>
-                <a:schemeClr val="dk1"/>
-              </a:buClr>
-              <a:buSzPts val="1100"/>
-              <a:buFont typeface="Wingdings" panose="05000000000000000000" pitchFamily="2" charset="2"/>
-              <a:buChar char="v"/>
-            </a:pPr>
-            <a:r>
-              <a:rPr lang="en-US" sz="2000" dirty="0"/>
-              <a:t>Text Mining is an application of machine learning where feature are extracted from text to do what</a:t>
-            </a:r>
-            <a:endParaRPr sz="2000" dirty="0"/>
-          </a:p>
-          <a:p>
-            <a:pPr marL="342900" lvl="0" algn="l" rtl="0">
-              <a:lnSpc>
-                <a:spcPct val="115000"/>
-              </a:lnSpc>
-              <a:spcBef>
-                <a:spcPts val="0"/>
-              </a:spcBef>
-              <a:spcAft>
-                <a:spcPts val="0"/>
-              </a:spcAft>
-              <a:buClr>
-                <a:schemeClr val="dk1"/>
-              </a:buClr>
-              <a:buSzPts val="1100"/>
-              <a:buFont typeface="Wingdings" panose="05000000000000000000" pitchFamily="2" charset="2"/>
-              <a:buChar char="v"/>
-            </a:pPr>
-            <a:r>
-              <a:rPr lang="en-US" sz="2000" dirty="0"/>
-              <a:t>Talk about </a:t>
-            </a:r>
-            <a:r>
-              <a:rPr lang="en-US" sz="2000" dirty="0" err="1"/>
-              <a:t>tf-idf</a:t>
-            </a:r>
-            <a:endParaRPr lang="en-US" sz="1600" dirty="0">
-              <a:solidFill>
-                <a:schemeClr val="accent6"/>
-              </a:solidFill>
-            </a:endParaRPr>
-          </a:p>
-        </p:txBody>
-      </p:sp>
-    </p:spTree>
-  </p:cSld>
-  <p:clrMapOvr>
-    <a:masterClrMapping/>
-  </p:clrMapOvr>
-</p:sld>
-</file>
-
-<file path=ppt/slides/slide6.xml><?xml version="1.0" encoding="utf-8"?>
 <p:sld xmlns:a="http://schemas.openxmlformats.org/drawingml/2006/main" xmlns:r="http://schemas.openxmlformats.org/officeDocument/2006/relationships" xmlns:p="http://schemas.openxmlformats.org/presentationml/2006/main">
   <p:cSld>
     <p:spTree>
@@ -8742,150 +8784,6 @@
             </a:pPr>
             <a:r>
               <a:rPr lang="en-US" dirty="0"/>
-              <a:t>Interim Analysis</a:t>
-            </a:r>
-            <a:endParaRPr dirty="0"/>
-          </a:p>
-        </p:txBody>
-      </p:sp>
-      <p:sp>
-        <p:nvSpPr>
-          <p:cNvPr id="90" name="Google Shape;90;p21"/>
-          <p:cNvSpPr txBox="1">
-            <a:spLocks noGrp="1"/>
-          </p:cNvSpPr>
-          <p:nvPr>
-            <p:ph type="body" idx="1"/>
-          </p:nvPr>
-        </p:nvSpPr>
-        <p:spPr>
-          <a:xfrm>
-            <a:off x="388891" y="1057080"/>
-            <a:ext cx="8224800" cy="332808"/>
-          </a:xfrm>
-          <a:prstGeom prst="rect">
-            <a:avLst/>
-          </a:prstGeom>
-        </p:spPr>
-        <p:txBody>
-          <a:bodyPr spcFirstLastPara="1" wrap="square" lIns="91400" tIns="45700" rIns="91400" bIns="45700" anchor="t" anchorCtr="0">
-            <a:noAutofit/>
-          </a:bodyPr>
-          <a:lstStyle/>
-          <a:p>
-            <a:pPr marL="0" lvl="0" indent="0" algn="l" rtl="0">
-              <a:spcBef>
-                <a:spcPts val="360"/>
-              </a:spcBef>
-              <a:spcAft>
-                <a:spcPts val="0"/>
-              </a:spcAft>
-              <a:buClr>
-                <a:schemeClr val="dk1"/>
-              </a:buClr>
-              <a:buSzPts val="1100"/>
-              <a:buFont typeface="Arial"/>
-              <a:buNone/>
-            </a:pPr>
-            <a:r>
-              <a:rPr lang="en-US" sz="1800" dirty="0"/>
-              <a:t>The term frequency for the document is given in the figure below</a:t>
-            </a:r>
-            <a:endParaRPr sz="1800" dirty="0"/>
-          </a:p>
-        </p:txBody>
-      </p:sp>
-      <p:pic>
-        <p:nvPicPr>
-          <p:cNvPr id="8" name="Picture 7">
-            <a:extLst>
-              <a:ext uri="{FF2B5EF4-FFF2-40B4-BE49-F238E27FC236}">
-                <a16:creationId xmlns:a16="http://schemas.microsoft.com/office/drawing/2014/main" id="{B59E6C56-A4A7-4F9C-AF0E-6968EF33425C}"/>
-              </a:ext>
-            </a:extLst>
-          </p:cNvPr>
-          <p:cNvPicPr>
-            <a:picLocks noChangeAspect="1"/>
-          </p:cNvPicPr>
-          <p:nvPr/>
-        </p:nvPicPr>
-        <p:blipFill>
-          <a:blip r:embed="rId3"/>
-          <a:stretch>
-            <a:fillRect/>
-          </a:stretch>
-        </p:blipFill>
-        <p:spPr>
-          <a:xfrm>
-            <a:off x="1644148" y="1514929"/>
-            <a:ext cx="5714286" cy="3628571"/>
-          </a:xfrm>
-          <a:prstGeom prst="rect">
-            <a:avLst/>
-          </a:prstGeom>
-        </p:spPr>
-      </p:pic>
-    </p:spTree>
-  </p:cSld>
-  <p:clrMapOvr>
-    <a:masterClrMapping/>
-  </p:clrMapOvr>
-</p:sld>
-</file>
-
-<file path=ppt/slides/slide7.xml><?xml version="1.0" encoding="utf-8"?>
-<p:sld xmlns:a="http://schemas.openxmlformats.org/drawingml/2006/main" xmlns:r="http://schemas.openxmlformats.org/officeDocument/2006/relationships" xmlns:p="http://schemas.openxmlformats.org/presentationml/2006/main">
-  <p:cSld>
-    <p:spTree>
-      <p:nvGrpSpPr>
-        <p:cNvPr id="1" name="Shape 88"/>
-        <p:cNvGrpSpPr/>
-        <p:nvPr/>
-      </p:nvGrpSpPr>
-      <p:grpSpPr>
-        <a:xfrm>
-          <a:off x="0" y="0"/>
-          <a:ext cx="0" cy="0"/>
-          <a:chOff x="0" y="0"/>
-          <a:chExt cx="0" cy="0"/>
-        </a:xfrm>
-      </p:grpSpPr>
-      <p:sp>
-        <p:nvSpPr>
-          <p:cNvPr id="89" name="Google Shape;89;p21"/>
-          <p:cNvSpPr txBox="1">
-            <a:spLocks noGrp="1"/>
-          </p:cNvSpPr>
-          <p:nvPr>
-            <p:ph type="title"/>
-          </p:nvPr>
-        </p:nvSpPr>
-        <p:spPr>
-          <a:xfrm>
-            <a:off x="782150" y="-86065"/>
-            <a:ext cx="6727500" cy="857400"/>
-          </a:xfrm>
-          <a:prstGeom prst="rect">
-            <a:avLst/>
-          </a:prstGeom>
-        </p:spPr>
-        <p:txBody>
-          <a:bodyPr spcFirstLastPara="1" wrap="square" lIns="91400" tIns="45700" rIns="91400" bIns="45700" anchor="ctr" anchorCtr="0">
-            <a:noAutofit/>
-          </a:bodyPr>
-          <a:lstStyle/>
-          <a:p>
-            <a:pPr marL="0" lvl="0" indent="0" algn="ctr" rtl="0">
-              <a:spcBef>
-                <a:spcPts val="0"/>
-              </a:spcBef>
-              <a:spcAft>
-                <a:spcPts val="0"/>
-              </a:spcAft>
-              <a:buNone/>
-            </a:pPr>
-            <a:r>
-              <a:rPr lang="en-US" dirty="0"/>
               <a:t>Next Steps</a:t>
             </a:r>
             <a:endParaRPr dirty="0"/>
@@ -8904,7 +8802,7 @@
         </p:nvSpPr>
         <p:spPr>
           <a:xfrm>
-            <a:off x="388891" y="1057080"/>
+            <a:off x="459600" y="892075"/>
             <a:ext cx="8224800" cy="1514670"/>
           </a:xfrm>
           <a:prstGeom prst="rect">
@@ -8933,7 +8831,123 @@
             </a:pPr>
             <a:r>
               <a:rPr lang="en-US" sz="2000" dirty="0"/>
-              <a:t>Next more documents will be added to make a corpus and document summarization will be performed.</a:t>
+              <a:t>Possibly add episodes I through VI to the corpus</a:t>
+            </a:r>
+          </a:p>
+          <a:p>
+            <a:pPr marL="342900" lvl="0" algn="l" rtl="0">
+              <a:spcBef>
+                <a:spcPts val="360"/>
+              </a:spcBef>
+              <a:spcAft>
+                <a:spcPts val="0"/>
+              </a:spcAft>
+              <a:buClr>
+                <a:schemeClr val="dk1"/>
+              </a:buClr>
+              <a:buSzPts val="1100"/>
+              <a:buFont typeface="Wingdings" panose="05000000000000000000" pitchFamily="2" charset="2"/>
+              <a:buChar char="v"/>
+            </a:pPr>
+            <a:r>
+              <a:rPr lang="en-US" sz="2000" dirty="0"/>
+              <a:t>Use regex to change the every occurrence of the word death star to </a:t>
+            </a:r>
+            <a:r>
+              <a:rPr lang="en-US" sz="2000" dirty="0" err="1"/>
+              <a:t>deathstar</a:t>
+            </a:r>
+            <a:r>
+              <a:rPr lang="en-US" sz="2000" dirty="0"/>
+              <a:t>.</a:t>
+            </a:r>
+          </a:p>
+          <a:p>
+            <a:pPr marL="342900" lvl="0" algn="l" rtl="0">
+              <a:spcBef>
+                <a:spcPts val="360"/>
+              </a:spcBef>
+              <a:spcAft>
+                <a:spcPts val="0"/>
+              </a:spcAft>
+              <a:buClr>
+                <a:schemeClr val="dk1"/>
+              </a:buClr>
+              <a:buSzPts val="1100"/>
+              <a:buFont typeface="Wingdings" panose="05000000000000000000" pitchFamily="2" charset="2"/>
+              <a:buChar char="v"/>
+            </a:pPr>
+            <a:r>
+              <a:rPr lang="en-US" sz="2000" dirty="0"/>
+              <a:t>Add 111 to stop words since it is the total number of pages in the document. </a:t>
+            </a:r>
+          </a:p>
+          <a:p>
+            <a:pPr marL="342900" lvl="0" algn="l" rtl="0">
+              <a:spcBef>
+                <a:spcPts val="360"/>
+              </a:spcBef>
+              <a:spcAft>
+                <a:spcPts val="0"/>
+              </a:spcAft>
+              <a:buClr>
+                <a:schemeClr val="dk1"/>
+              </a:buClr>
+              <a:buSzPts val="1100"/>
+              <a:buFont typeface="Wingdings" panose="05000000000000000000" pitchFamily="2" charset="2"/>
+              <a:buChar char="v"/>
+            </a:pPr>
+            <a:r>
+              <a:rPr lang="en-US" sz="2000" dirty="0"/>
+              <a:t>Add page to the stop words since it appears at the bottom of each page of the script.</a:t>
+            </a:r>
+          </a:p>
+          <a:p>
+            <a:pPr marL="342900" lvl="0" algn="l" rtl="0">
+              <a:spcBef>
+                <a:spcPts val="360"/>
+              </a:spcBef>
+              <a:spcAft>
+                <a:spcPts val="0"/>
+              </a:spcAft>
+              <a:buClr>
+                <a:schemeClr val="dk1"/>
+              </a:buClr>
+              <a:buSzPts val="1100"/>
+              <a:buFont typeface="Wingdings" panose="05000000000000000000" pitchFamily="2" charset="2"/>
+              <a:buChar char="v"/>
+            </a:pPr>
+            <a:r>
+              <a:rPr lang="en-US" sz="2000" dirty="0"/>
+              <a:t>Treat the lines spoken by each character as a document . </a:t>
+            </a:r>
+          </a:p>
+          <a:p>
+            <a:pPr marL="342900" lvl="0" algn="l" rtl="0">
+              <a:spcBef>
+                <a:spcPts val="360"/>
+              </a:spcBef>
+              <a:spcAft>
+                <a:spcPts val="0"/>
+              </a:spcAft>
+              <a:buClr>
+                <a:schemeClr val="dk1"/>
+              </a:buClr>
+              <a:buSzPts val="1100"/>
+              <a:buFont typeface="Wingdings" panose="05000000000000000000" pitchFamily="2" charset="2"/>
+              <a:buChar char="v"/>
+            </a:pPr>
+            <a:r>
+              <a:rPr lang="en-US" sz="2000" dirty="0"/>
+              <a:t>Perform document summarization and topic modeling on this  new </a:t>
+            </a:r>
+            <a:r>
+              <a:rPr lang="en-US" sz="2000" dirty="0" err="1"/>
+              <a:t>copus</a:t>
+            </a:r>
+            <a:r>
+              <a:rPr lang="en-US" sz="2000" dirty="0"/>
+              <a:t> to identify the role of each character.</a:t>
             </a:r>
           </a:p>
           <a:p>
